--- a/Presentation.pptx
+++ b/Presentation.pptx
@@ -43956,6 +43956,82 @@
           </a:prstGeom>
         </p:spPr>
       </p:pic>
+      <p:pic>
+        <p:nvPicPr>
+          <p:cNvPr id="1026" name="Picture 2" descr="Razer Logo PNG Image | PNG Mart">
+            <a:extLst>
+              <a:ext uri="{FF2B5EF4-FFF2-40B4-BE49-F238E27FC236}">
+                <a16:creationId xmlns:a16="http://schemas.microsoft.com/office/drawing/2014/main" id="{410BED63-93F4-4017-B00E-514EADCD8EAB}"/>
+              </a:ext>
+            </a:extLst>
+          </p:cNvPr>
+          <p:cNvPicPr>
+            <a:picLocks noChangeAspect="1" noChangeArrowheads="1"/>
+          </p:cNvPicPr>
+          <p:nvPr/>
+        </p:nvPicPr>
+        <p:blipFill>
+          <a:blip r:embed="rId3">
+            <a:extLst>
+              <a:ext uri="{28A0092B-C50C-407E-A947-70E740481C1C}">
+                <a14:useLocalDpi xmlns:a14="http://schemas.microsoft.com/office/drawing/2010/main" val="0"/>
+              </a:ext>
+            </a:extLst>
+          </a:blip>
+          <a:srcRect/>
+          <a:stretch>
+            <a:fillRect/>
+          </a:stretch>
+        </p:blipFill>
+        <p:spPr bwMode="auto">
+          <a:xfrm>
+            <a:off x="4743392" y="5553986"/>
+            <a:ext cx="2661921" cy="621114"/>
+          </a:xfrm>
+          <a:prstGeom prst="rect">
+            <a:avLst/>
+          </a:prstGeom>
+          <a:noFill/>
+          <a:extLst>
+            <a:ext uri="{909E8E84-426E-40DD-AFC4-6F175D3DCCD1}">
+              <a14:hiddenFill xmlns:a14="http://schemas.microsoft.com/office/drawing/2010/main">
+                <a:solidFill>
+                  <a:srgbClr val="FFFFFF"/>
+                </a:solidFill>
+              </a14:hiddenFill>
+            </a:ext>
+          </a:extLst>
+        </p:spPr>
+      </p:pic>
+      <p:pic>
+        <p:nvPicPr>
+          <p:cNvPr id="8" name="Picture 7">
+            <a:extLst>
+              <a:ext uri="{FF2B5EF4-FFF2-40B4-BE49-F238E27FC236}">
+                <a16:creationId xmlns:a16="http://schemas.microsoft.com/office/drawing/2014/main" id="{6999A70F-7F7B-47EF-9221-CFE33E8AB067}"/>
+              </a:ext>
+            </a:extLst>
+          </p:cNvPr>
+          <p:cNvPicPr>
+            <a:picLocks noChangeAspect="1"/>
+          </p:cNvPicPr>
+          <p:nvPr/>
+        </p:nvPicPr>
+        <p:blipFill rotWithShape="1">
+          <a:blip r:embed="rId4"/>
+          <a:srcRect r="86918" b="29567"/>
+          <a:stretch/>
+        </p:blipFill>
+        <p:spPr>
+          <a:xfrm>
+            <a:off x="243922" y="673052"/>
+            <a:ext cx="2029371" cy="5735415"/>
+          </a:xfrm>
+          <a:prstGeom prst="rect">
+            <a:avLst/>
+          </a:prstGeom>
+        </p:spPr>
+      </p:pic>
     </p:spTree>
     <p:extLst>
       <p:ext uri="{BB962C8B-B14F-4D97-AF65-F5344CB8AC3E}">
@@ -44038,7 +44114,12 @@
             <p:ph type="title"/>
           </p:nvPr>
         </p:nvSpPr>
-        <p:spPr/>
+        <p:spPr>
+          <a:xfrm>
+            <a:off x="6894591" y="1090118"/>
+            <a:ext cx="5216129" cy="804338"/>
+          </a:xfrm>
+        </p:spPr>
         <p:txBody>
           <a:bodyPr/>
           <a:lstStyle/>
@@ -44046,6 +44127,14 @@
             <a:r>
               <a:rPr lang="en-US" dirty="0"/>
               <a:t>PROBLEM</a:t>
+            </a:r>
+            <a:r>
+              <a:rPr lang="en-US" sz="1200" dirty="0"/>
+              <a:t> </a:t>
+            </a:r>
+            <a:r>
+              <a:rPr lang="en-US" sz="1600" dirty="0"/>
+              <a:t>(Problem Statement #4)</a:t>
             </a:r>
           </a:p>
         </p:txBody>
@@ -44348,7 +44437,12 @@
             <p:ph type="body" idx="1"/>
           </p:nvPr>
         </p:nvSpPr>
-        <p:spPr/>
+        <p:spPr>
+          <a:xfrm>
+            <a:off x="227330" y="3206978"/>
+            <a:ext cx="4205904" cy="569085"/>
+          </a:xfrm>
+        </p:spPr>
         <p:txBody>
           <a:bodyPr/>
           <a:lstStyle/>
@@ -44379,7 +44473,12 @@
             <p:ph type="body" idx="14"/>
           </p:nvPr>
         </p:nvSpPr>
-        <p:spPr/>
+        <p:spPr>
+          <a:xfrm>
+            <a:off x="216280" y="3859814"/>
+            <a:ext cx="4215201" cy="1328330"/>
+          </a:xfrm>
+        </p:spPr>
         <p:txBody>
           <a:bodyPr>
             <a:normAutofit/>
@@ -44452,8 +44551,8 @@
         </p:blipFill>
         <p:spPr bwMode="auto">
           <a:xfrm>
-            <a:off x="5721195" y="2390104"/>
-            <a:ext cx="5990786" cy="2375949"/>
+            <a:off x="814090" y="4808249"/>
+            <a:ext cx="1915754" cy="759789"/>
           </a:xfrm>
           <a:prstGeom prst="rect">
             <a:avLst/>
@@ -44470,6 +44569,250 @@
           </a:extLst>
         </p:spPr>
       </p:pic>
+      <p:pic>
+        <p:nvPicPr>
+          <p:cNvPr id="6" name="Picture 5">
+            <a:extLst>
+              <a:ext uri="{FF2B5EF4-FFF2-40B4-BE49-F238E27FC236}">
+                <a16:creationId xmlns:a16="http://schemas.microsoft.com/office/drawing/2014/main" id="{765AB074-489C-48B9-BDCA-8C250AD3CCB5}"/>
+              </a:ext>
+            </a:extLst>
+          </p:cNvPr>
+          <p:cNvPicPr>
+            <a:picLocks noChangeAspect="1"/>
+          </p:cNvPicPr>
+          <p:nvPr/>
+        </p:nvPicPr>
+        <p:blipFill rotWithShape="1">
+          <a:blip r:embed="rId3"/>
+          <a:srcRect l="5294" r="15234"/>
+          <a:stretch/>
+        </p:blipFill>
+        <p:spPr>
+          <a:xfrm>
+            <a:off x="4546985" y="1005840"/>
+            <a:ext cx="7417685" cy="5257806"/>
+          </a:xfrm>
+          <a:prstGeom prst="rect">
+            <a:avLst/>
+          </a:prstGeom>
+        </p:spPr>
+      </p:pic>
+      <p:sp>
+        <p:nvSpPr>
+          <p:cNvPr id="9" name="Text Placeholder 4">
+            <a:extLst>
+              <a:ext uri="{FF2B5EF4-FFF2-40B4-BE49-F238E27FC236}">
+                <a16:creationId xmlns:a16="http://schemas.microsoft.com/office/drawing/2014/main" id="{00B74093-01BA-4583-8E23-FD14320A39B0}"/>
+              </a:ext>
+            </a:extLst>
+          </p:cNvPr>
+          <p:cNvSpPr txBox="1">
+            <a:spLocks/>
+          </p:cNvSpPr>
+          <p:nvPr/>
+        </p:nvSpPr>
+        <p:spPr>
+          <a:xfrm>
+            <a:off x="4731587" y="6350218"/>
+            <a:ext cx="4215201" cy="1328330"/>
+          </a:xfrm>
+          <a:prstGeom prst="rect">
+            <a:avLst/>
+          </a:prstGeom>
+        </p:spPr>
+        <p:txBody>
+          <a:bodyPr vert="horz" lIns="0" tIns="0" rIns="0" bIns="0" rtlCol="0">
+            <a:normAutofit/>
+          </a:bodyPr>
+          <a:lstStyle>
+            <a:lvl1pPr marL="0" indent="0" algn="l" defTabSz="914400" rtl="0" eaLnBrk="1" latinLnBrk="0" hangingPunct="1">
+              <a:lnSpc>
+                <a:spcPct val="100000"/>
+              </a:lnSpc>
+              <a:spcBef>
+                <a:spcPts val="600"/>
+              </a:spcBef>
+              <a:buFont typeface="Arial" panose="020B0604020202020204" pitchFamily="34" charset="0"/>
+              <a:buNone/>
+              <a:defRPr sz="1400" kern="1200">
+                <a:solidFill>
+                  <a:schemeClr val="tx2"/>
+                </a:solidFill>
+                <a:latin typeface="+mn-lt"/>
+                <a:ea typeface="+mn-ea"/>
+                <a:cs typeface="+mn-cs"/>
+              </a:defRPr>
+            </a:lvl1pPr>
+            <a:lvl2pPr marL="457200" indent="0" algn="l" defTabSz="914400" rtl="0" eaLnBrk="1" latinLnBrk="0" hangingPunct="1">
+              <a:lnSpc>
+                <a:spcPct val="90000"/>
+              </a:lnSpc>
+              <a:spcBef>
+                <a:spcPts val="500"/>
+              </a:spcBef>
+              <a:buFont typeface="Arial" panose="020B0604020202020204" pitchFamily="34" charset="0"/>
+              <a:buNone/>
+              <a:defRPr sz="2000" kern="1200">
+                <a:solidFill>
+                  <a:schemeClr val="tx1">
+                    <a:tint val="75000"/>
+                  </a:schemeClr>
+                </a:solidFill>
+                <a:latin typeface="+mn-lt"/>
+                <a:ea typeface="+mn-ea"/>
+                <a:cs typeface="+mn-cs"/>
+              </a:defRPr>
+            </a:lvl2pPr>
+            <a:lvl3pPr marL="914400" indent="0" algn="l" defTabSz="914400" rtl="0" eaLnBrk="1" latinLnBrk="0" hangingPunct="1">
+              <a:lnSpc>
+                <a:spcPct val="90000"/>
+              </a:lnSpc>
+              <a:spcBef>
+                <a:spcPts val="500"/>
+              </a:spcBef>
+              <a:buFont typeface="Arial" panose="020B0604020202020204" pitchFamily="34" charset="0"/>
+              <a:buNone/>
+              <a:defRPr sz="1800" kern="1200">
+                <a:solidFill>
+                  <a:schemeClr val="tx1">
+                    <a:tint val="75000"/>
+                  </a:schemeClr>
+                </a:solidFill>
+                <a:latin typeface="+mn-lt"/>
+                <a:ea typeface="+mn-ea"/>
+                <a:cs typeface="+mn-cs"/>
+              </a:defRPr>
+            </a:lvl3pPr>
+            <a:lvl4pPr marL="1371600" indent="0" algn="l" defTabSz="914400" rtl="0" eaLnBrk="1" latinLnBrk="0" hangingPunct="1">
+              <a:lnSpc>
+                <a:spcPct val="90000"/>
+              </a:lnSpc>
+              <a:spcBef>
+                <a:spcPts val="500"/>
+              </a:spcBef>
+              <a:buFont typeface="Arial" panose="020B0604020202020204" pitchFamily="34" charset="0"/>
+              <a:buNone/>
+              <a:defRPr sz="1600" kern="1200">
+                <a:solidFill>
+                  <a:schemeClr val="tx1">
+                    <a:tint val="75000"/>
+                  </a:schemeClr>
+                </a:solidFill>
+                <a:latin typeface="+mn-lt"/>
+                <a:ea typeface="+mn-ea"/>
+                <a:cs typeface="+mn-cs"/>
+              </a:defRPr>
+            </a:lvl4pPr>
+            <a:lvl5pPr marL="1828800" indent="0" algn="l" defTabSz="914400" rtl="0" eaLnBrk="1" latinLnBrk="0" hangingPunct="1">
+              <a:lnSpc>
+                <a:spcPct val="90000"/>
+              </a:lnSpc>
+              <a:spcBef>
+                <a:spcPts val="500"/>
+              </a:spcBef>
+              <a:buFont typeface="Arial" panose="020B0604020202020204" pitchFamily="34" charset="0"/>
+              <a:buNone/>
+              <a:defRPr sz="1600" kern="1200">
+                <a:solidFill>
+                  <a:schemeClr val="tx1">
+                    <a:tint val="75000"/>
+                  </a:schemeClr>
+                </a:solidFill>
+                <a:latin typeface="+mn-lt"/>
+                <a:ea typeface="+mn-ea"/>
+                <a:cs typeface="+mn-cs"/>
+              </a:defRPr>
+            </a:lvl5pPr>
+            <a:lvl6pPr marL="2286000" indent="0" algn="l" defTabSz="914400" rtl="0" eaLnBrk="1" latinLnBrk="0" hangingPunct="1">
+              <a:lnSpc>
+                <a:spcPct val="90000"/>
+              </a:lnSpc>
+              <a:spcBef>
+                <a:spcPts val="500"/>
+              </a:spcBef>
+              <a:buFont typeface="Arial" panose="020B0604020202020204" pitchFamily="34" charset="0"/>
+              <a:buNone/>
+              <a:defRPr sz="1600" kern="1200">
+                <a:solidFill>
+                  <a:schemeClr val="tx1">
+                    <a:tint val="75000"/>
+                  </a:schemeClr>
+                </a:solidFill>
+                <a:latin typeface="+mn-lt"/>
+                <a:ea typeface="+mn-ea"/>
+                <a:cs typeface="+mn-cs"/>
+              </a:defRPr>
+            </a:lvl6pPr>
+            <a:lvl7pPr marL="2743200" indent="0" algn="l" defTabSz="914400" rtl="0" eaLnBrk="1" latinLnBrk="0" hangingPunct="1">
+              <a:lnSpc>
+                <a:spcPct val="90000"/>
+              </a:lnSpc>
+              <a:spcBef>
+                <a:spcPts val="500"/>
+              </a:spcBef>
+              <a:buFont typeface="Arial" panose="020B0604020202020204" pitchFamily="34" charset="0"/>
+              <a:buNone/>
+              <a:defRPr sz="1600" kern="1200">
+                <a:solidFill>
+                  <a:schemeClr val="tx1">
+                    <a:tint val="75000"/>
+                  </a:schemeClr>
+                </a:solidFill>
+                <a:latin typeface="+mn-lt"/>
+                <a:ea typeface="+mn-ea"/>
+                <a:cs typeface="+mn-cs"/>
+              </a:defRPr>
+            </a:lvl7pPr>
+            <a:lvl8pPr marL="3200400" indent="0" algn="l" defTabSz="914400" rtl="0" eaLnBrk="1" latinLnBrk="0" hangingPunct="1">
+              <a:lnSpc>
+                <a:spcPct val="90000"/>
+              </a:lnSpc>
+              <a:spcBef>
+                <a:spcPts val="500"/>
+              </a:spcBef>
+              <a:buFont typeface="Arial" panose="020B0604020202020204" pitchFamily="34" charset="0"/>
+              <a:buNone/>
+              <a:defRPr sz="1600" kern="1200">
+                <a:solidFill>
+                  <a:schemeClr val="tx1">
+                    <a:tint val="75000"/>
+                  </a:schemeClr>
+                </a:solidFill>
+                <a:latin typeface="+mn-lt"/>
+                <a:ea typeface="+mn-ea"/>
+                <a:cs typeface="+mn-cs"/>
+              </a:defRPr>
+            </a:lvl8pPr>
+            <a:lvl9pPr marL="3657600" indent="0" algn="l" defTabSz="914400" rtl="0" eaLnBrk="1" latinLnBrk="0" hangingPunct="1">
+              <a:lnSpc>
+                <a:spcPct val="90000"/>
+              </a:lnSpc>
+              <a:spcBef>
+                <a:spcPts val="500"/>
+              </a:spcBef>
+              <a:buFont typeface="Arial" panose="020B0604020202020204" pitchFamily="34" charset="0"/>
+              <a:buNone/>
+              <a:defRPr sz="1600" kern="1200">
+                <a:solidFill>
+                  <a:schemeClr val="tx1">
+                    <a:tint val="75000"/>
+                  </a:schemeClr>
+                </a:solidFill>
+                <a:latin typeface="+mn-lt"/>
+                <a:ea typeface="+mn-ea"/>
+                <a:cs typeface="+mn-cs"/>
+              </a:defRPr>
+            </a:lvl9pPr>
+          </a:lstStyle>
+          <a:p>
+            <a:r>
+              <a:rPr lang="en-US" dirty="0"/>
+              <a:t>Sign-in page</a:t>
+            </a:r>
+          </a:p>
+        </p:txBody>
+      </p:sp>
     </p:spTree>
     <p:extLst>
       <p:ext uri="{BB962C8B-B14F-4D97-AF65-F5344CB8AC3E}">
@@ -44546,7 +44889,7 @@
         </p:nvSpPr>
         <p:spPr>
           <a:xfrm>
-            <a:off x="6400317" y="1625821"/>
+            <a:off x="6744680" y="1487759"/>
             <a:ext cx="5113172" cy="569085"/>
           </a:xfrm>
         </p:spPr>
@@ -44604,7 +44947,12 @@
             <p:ph type="body" idx="16"/>
           </p:nvPr>
         </p:nvSpPr>
-        <p:spPr/>
+        <p:spPr>
+          <a:xfrm>
+            <a:off x="2711450" y="3291840"/>
+            <a:ext cx="1209357" cy="640080"/>
+          </a:xfrm>
+        </p:spPr>
         <p:txBody>
           <a:bodyPr>
             <a:normAutofit/>
@@ -44650,7 +44998,12 @@
             <a:fillRect/>
           </a:stretch>
         </p:blipFill>
-        <p:spPr/>
+        <p:spPr>
+          <a:xfrm>
+            <a:off x="3736380" y="3273552"/>
+            <a:ext cx="640080" cy="658368"/>
+          </a:xfrm>
+        </p:spPr>
       </p:pic>
       <p:sp>
         <p:nvSpPr>
@@ -44668,7 +45021,12 @@
             <p:ph type="body" idx="14"/>
           </p:nvPr>
         </p:nvSpPr>
-        <p:spPr/>
+        <p:spPr>
+          <a:xfrm>
+            <a:off x="4566389" y="3291840"/>
+            <a:ext cx="2029372" cy="640080"/>
+          </a:xfrm>
+        </p:spPr>
         <p:txBody>
           <a:bodyPr/>
           <a:lstStyle/>
@@ -44696,7 +45054,12 @@
             <p:ph type="body" idx="22"/>
           </p:nvPr>
         </p:nvSpPr>
-        <p:spPr/>
+        <p:spPr>
+          <a:xfrm>
+            <a:off x="7212647" y="3291840"/>
+            <a:ext cx="1209357" cy="640080"/>
+          </a:xfrm>
+        </p:spPr>
         <p:txBody>
           <a:bodyPr>
             <a:normAutofit fontScale="92500" lnSpcReduction="20000"/>
@@ -44742,7 +45105,12 @@
             <a:fillRect/>
           </a:stretch>
         </p:blipFill>
-        <p:spPr/>
+        <p:spPr>
+          <a:xfrm>
+            <a:off x="8471257" y="3273552"/>
+            <a:ext cx="640080" cy="658368"/>
+          </a:xfrm>
+        </p:spPr>
       </p:pic>
       <p:sp>
         <p:nvSpPr>
@@ -44760,7 +45128,12 @@
             <p:ph type="body" idx="20"/>
           </p:nvPr>
         </p:nvSpPr>
-        <p:spPr/>
+        <p:spPr>
+          <a:xfrm>
+            <a:off x="9301266" y="3291840"/>
+            <a:ext cx="2670048" cy="640080"/>
+          </a:xfrm>
+        </p:spPr>
         <p:txBody>
           <a:bodyPr/>
           <a:lstStyle/>
@@ -44790,19 +45163,25 @@
         </p:nvSpPr>
         <p:spPr>
           <a:xfrm>
-            <a:off x="778644" y="4427608"/>
-            <a:ext cx="1262564" cy="640080"/>
+            <a:off x="2739524" y="4427608"/>
+            <a:ext cx="1262564" cy="865752"/>
           </a:xfrm>
         </p:spPr>
         <p:txBody>
           <a:bodyPr>
-            <a:normAutofit fontScale="92500"/>
+            <a:normAutofit lnSpcReduction="10000"/>
           </a:bodyPr>
           <a:lstStyle/>
           <a:p>
             <a:r>
               <a:rPr lang="en-US" dirty="0"/>
-              <a:t>VISA Card Services</a:t>
+              <a:t>VISA </a:t>
+            </a:r>
+          </a:p>
+          <a:p>
+            <a:r>
+              <a:rPr lang="en-US" dirty="0"/>
+              <a:t>Card Services</a:t>
             </a:r>
           </a:p>
         </p:txBody>
@@ -44839,7 +45218,12 @@
             <a:fillRect/>
           </a:stretch>
         </p:blipFill>
-        <p:spPr/>
+        <p:spPr>
+          <a:xfrm>
+            <a:off x="3736380" y="4409320"/>
+            <a:ext cx="640080" cy="658368"/>
+          </a:xfrm>
+        </p:spPr>
       </p:pic>
       <p:sp>
         <p:nvSpPr>
@@ -44857,7 +45241,12 @@
             <p:ph type="body" idx="17"/>
           </p:nvPr>
         </p:nvSpPr>
-        <p:spPr/>
+        <p:spPr>
+          <a:xfrm>
+            <a:off x="4566389" y="4427608"/>
+            <a:ext cx="1691812" cy="640080"/>
+          </a:xfrm>
+        </p:spPr>
         <p:txBody>
           <a:bodyPr/>
           <a:lstStyle/>
@@ -44885,7 +45274,12 @@
             <p:ph type="body" idx="25"/>
           </p:nvPr>
         </p:nvSpPr>
-        <p:spPr/>
+        <p:spPr>
+          <a:xfrm>
+            <a:off x="7212647" y="4427608"/>
+            <a:ext cx="1209357" cy="640080"/>
+          </a:xfrm>
+        </p:spPr>
         <p:txBody>
           <a:bodyPr/>
           <a:lstStyle/>
@@ -44929,7 +45323,12 @@
             <a:fillRect/>
           </a:stretch>
         </p:blipFill>
-        <p:spPr/>
+        <p:spPr>
+          <a:xfrm>
+            <a:off x="8471257" y="4409320"/>
+            <a:ext cx="640080" cy="658368"/>
+          </a:xfrm>
+        </p:spPr>
       </p:pic>
       <p:sp>
         <p:nvSpPr>
@@ -44949,7 +45348,7 @@
         </p:nvSpPr>
         <p:spPr>
           <a:xfrm>
-            <a:off x="8549426" y="4427607"/>
+            <a:off x="9301266" y="4427607"/>
             <a:ext cx="2670048" cy="1225769"/>
           </a:xfrm>
         </p:spPr>
@@ -45025,8 +45424,8 @@
         </p:blipFill>
         <p:spPr bwMode="auto">
           <a:xfrm>
-            <a:off x="2210716" y="-60045"/>
-            <a:ext cx="3198425" cy="3198425"/>
+            <a:off x="3546630" y="287020"/>
+            <a:ext cx="2555240" cy="2555240"/>
           </a:xfrm>
           <a:prstGeom prst="rect">
             <a:avLst/>
@@ -45041,6 +45440,35 @@
               </a14:hiddenFill>
             </a:ext>
           </a:extLst>
+        </p:spPr>
+      </p:pic>
+      <p:pic>
+        <p:nvPicPr>
+          <p:cNvPr id="20" name="Picture 19">
+            <a:extLst>
+              <a:ext uri="{FF2B5EF4-FFF2-40B4-BE49-F238E27FC236}">
+                <a16:creationId xmlns:a16="http://schemas.microsoft.com/office/drawing/2014/main" id="{E311A686-11E8-4ACC-BE41-B718A61FF481}"/>
+              </a:ext>
+            </a:extLst>
+          </p:cNvPr>
+          <p:cNvPicPr>
+            <a:picLocks noChangeAspect="1"/>
+          </p:cNvPicPr>
+          <p:nvPr/>
+        </p:nvPicPr>
+        <p:blipFill rotWithShape="1">
+          <a:blip r:embed="rId11"/>
+          <a:srcRect r="86918" b="29567"/>
+          <a:stretch/>
+        </p:blipFill>
+        <p:spPr>
+          <a:xfrm>
+            <a:off x="406482" y="561292"/>
+            <a:ext cx="2029371" cy="5735415"/>
+          </a:xfrm>
+          <a:prstGeom prst="rect">
+            <a:avLst/>
+          </a:prstGeom>
         </p:spPr>
       </p:pic>
     </p:spTree>
@@ -45257,7 +45685,7 @@
         </p:blipFill>
         <p:spPr>
           <a:xfrm>
-            <a:off x="2546862" y="962108"/>
+            <a:off x="2540527" y="962108"/>
             <a:ext cx="9651473" cy="5066201"/>
           </a:xfrm>
           <a:prstGeom prst="rect">
@@ -47009,6 +47437,23 @@
 </file>
 
 <file path=customXml/item1.xml><?xml version="1.0" encoding="utf-8"?>
+<p:properties xmlns:p="http://schemas.microsoft.com/office/2006/metadata/properties" xmlns:xsi="http://www.w3.org/2001/XMLSchema-instance" xmlns:pc="http://schemas.microsoft.com/office/infopath/2007/PartnerControls">
+  <documentManagement>
+    <MediaServiceKeyPoints xmlns="71af3243-3dd4-4a8d-8c0d-dd76da1f02a5" xsi:nil="true"/>
+  </documentManagement>
+</p:properties>
+</file>
+
+<file path=customXml/item2.xml><?xml version="1.0" encoding="utf-8"?>
+<?mso-contentType ?>
+<FormTemplates xmlns="http://schemas.microsoft.com/sharepoint/v3/contenttype/forms">
+  <Display>DocumentLibraryForm</Display>
+  <Edit>DocumentLibraryForm</Edit>
+  <New>DocumentLibraryForm</New>
+</FormTemplates>
+</file>
+
+<file path=customXml/item3.xml><?xml version="1.0" encoding="utf-8"?>
 <ct:contentTypeSchema xmlns:ct="http://schemas.microsoft.com/office/2006/metadata/contentType" xmlns:ma="http://schemas.microsoft.com/office/2006/metadata/properties/metaAttributes" ct:_="" ma:_="" ma:contentTypeName="Document" ma:contentTypeID="0x01010079F111ED35F8CC479449609E8A0923A6" ma:contentTypeVersion="11" ma:contentTypeDescription="Create a new document." ma:contentTypeScope="" ma:versionID="96291512c1ee715ab617f4c07df79fc1">
   <xsd:schema xmlns:xsd="http://www.w3.org/2001/XMLSchema" xmlns:xs="http://www.w3.org/2001/XMLSchema" xmlns:p="http://schemas.microsoft.com/office/2006/metadata/properties" xmlns:ns2="71af3243-3dd4-4a8d-8c0d-dd76da1f02a5" xmlns:ns3="16c05727-aa75-4e4a-9b5f-8a80a1165891" targetNamespace="http://schemas.microsoft.com/office/2006/metadata/properties" ma:root="true" ma:fieldsID="8256c27c40ca5c40ce1cf6c44f0205df" ns2:_="" ns3:_="">
     <xsd:import namespace="71af3243-3dd4-4a8d-8c0d-dd76da1f02a5"/>
@@ -47219,24 +47664,25 @@
 </ct:contentTypeSchema>
 </file>
 
-<file path=customXml/item2.xml><?xml version="1.0" encoding="utf-8"?>
-<?mso-contentType ?>
-<FormTemplates xmlns="http://schemas.microsoft.com/sharepoint/v3/contenttype/forms">
-  <Display>DocumentLibraryForm</Display>
-  <Edit>DocumentLibraryForm</Edit>
-  <New>DocumentLibraryForm</New>
-</FormTemplates>
+<file path=customXml/itemProps1.xml><?xml version="1.0" encoding="utf-8"?>
+<ds:datastoreItem xmlns:ds="http://schemas.openxmlformats.org/officeDocument/2006/customXml" ds:itemID="{D726A944-A9F4-4295-9B5E-C397EB1318B9}">
+  <ds:schemaRefs>
+    <ds:schemaRef ds:uri="http://schemas.microsoft.com/office/2006/metadata/properties"/>
+    <ds:schemaRef ds:uri="http://schemas.microsoft.com/office/infopath/2007/PartnerControls"/>
+    <ds:schemaRef ds:uri="71af3243-3dd4-4a8d-8c0d-dd76da1f02a5"/>
+  </ds:schemaRefs>
+</ds:datastoreItem>
 </file>
 
-<file path=customXml/item3.xml><?xml version="1.0" encoding="utf-8"?>
-<p:properties xmlns:p="http://schemas.microsoft.com/office/2006/metadata/properties" xmlns:xsi="http://www.w3.org/2001/XMLSchema-instance" xmlns:pc="http://schemas.microsoft.com/office/infopath/2007/PartnerControls">
-  <documentManagement>
-    <MediaServiceKeyPoints xmlns="71af3243-3dd4-4a8d-8c0d-dd76da1f02a5" xsi:nil="true"/>
-  </documentManagement>
-</p:properties>
+<file path=customXml/itemProps2.xml><?xml version="1.0" encoding="utf-8"?>
+<ds:datastoreItem xmlns:ds="http://schemas.openxmlformats.org/officeDocument/2006/customXml" ds:itemID="{01743C61-8CA7-48FF-B2A3-6055DA854CF6}">
+  <ds:schemaRefs>
+    <ds:schemaRef ds:uri="http://schemas.microsoft.com/sharepoint/v3/contenttype/forms"/>
+  </ds:schemaRefs>
+</ds:datastoreItem>
 </file>
 
-<file path=customXml/itemProps1.xml><?xml version="1.0" encoding="utf-8"?>
+<file path=customXml/itemProps3.xml><?xml version="1.0" encoding="utf-8"?>
 <ds:datastoreItem xmlns:ds="http://schemas.openxmlformats.org/officeDocument/2006/customXml" ds:itemID="{472965D8-9C19-4E48-8421-5D6B21FC440C}">
   <ds:schemaRefs>
     <ds:schemaRef ds:uri="http://schemas.microsoft.com/office/2006/metadata/contentType"/>
@@ -47253,22 +47699,4 @@
     <ds:schemaRef ds:uri="http://schemas.microsoft.com/internal/obd"/>
   </ds:schemaRefs>
 </ds:datastoreItem>
-</file>
-
-<file path=customXml/itemProps2.xml><?xml version="1.0" encoding="utf-8"?>
-<ds:datastoreItem xmlns:ds="http://schemas.openxmlformats.org/officeDocument/2006/customXml" ds:itemID="{01743C61-8CA7-48FF-B2A3-6055DA854CF6}">
-  <ds:schemaRefs>
-    <ds:schemaRef ds:uri="http://schemas.microsoft.com/sharepoint/v3/contenttype/forms"/>
-  </ds:schemaRefs>
-</ds:datastoreItem>
-</file>
-
-<file path=customXml/itemProps3.xml><?xml version="1.0" encoding="utf-8"?>
-<ds:datastoreItem xmlns:ds="http://schemas.openxmlformats.org/officeDocument/2006/customXml" ds:itemID="{D726A944-A9F4-4295-9B5E-C397EB1318B9}">
-  <ds:schemaRefs>
-    <ds:schemaRef ds:uri="http://schemas.microsoft.com/office/2006/metadata/properties"/>
-    <ds:schemaRef ds:uri="http://schemas.microsoft.com/office/infopath/2007/PartnerControls"/>
-    <ds:schemaRef ds:uri="71af3243-3dd4-4a8d-8c0d-dd76da1f02a5"/>
-  </ds:schemaRefs>
-</ds:datastoreItem>
 </file>
--- a/Presentation.pptx
+++ b/Presentation.pptx
@@ -44116,7 +44116,7 @@
         </p:nvSpPr>
         <p:spPr>
           <a:xfrm>
-            <a:off x="6894591" y="1090118"/>
+            <a:off x="6710828" y="1090118"/>
             <a:ext cx="5216129" cy="804338"/>
           </a:xfrm>
         </p:spPr>
@@ -47437,23 +47437,6 @@
 </file>
 
 <file path=customXml/item1.xml><?xml version="1.0" encoding="utf-8"?>
-<p:properties xmlns:p="http://schemas.microsoft.com/office/2006/metadata/properties" xmlns:xsi="http://www.w3.org/2001/XMLSchema-instance" xmlns:pc="http://schemas.microsoft.com/office/infopath/2007/PartnerControls">
-  <documentManagement>
-    <MediaServiceKeyPoints xmlns="71af3243-3dd4-4a8d-8c0d-dd76da1f02a5" xsi:nil="true"/>
-  </documentManagement>
-</p:properties>
-</file>
-
-<file path=customXml/item2.xml><?xml version="1.0" encoding="utf-8"?>
-<?mso-contentType ?>
-<FormTemplates xmlns="http://schemas.microsoft.com/sharepoint/v3/contenttype/forms">
-  <Display>DocumentLibraryForm</Display>
-  <Edit>DocumentLibraryForm</Edit>
-  <New>DocumentLibraryForm</New>
-</FormTemplates>
-</file>
-
-<file path=customXml/item3.xml><?xml version="1.0" encoding="utf-8"?>
 <ct:contentTypeSchema xmlns:ct="http://schemas.microsoft.com/office/2006/metadata/contentType" xmlns:ma="http://schemas.microsoft.com/office/2006/metadata/properties/metaAttributes" ct:_="" ma:_="" ma:contentTypeName="Document" ma:contentTypeID="0x01010079F111ED35F8CC479449609E8A0923A6" ma:contentTypeVersion="11" ma:contentTypeDescription="Create a new document." ma:contentTypeScope="" ma:versionID="96291512c1ee715ab617f4c07df79fc1">
   <xsd:schema xmlns:xsd="http://www.w3.org/2001/XMLSchema" xmlns:xs="http://www.w3.org/2001/XMLSchema" xmlns:p="http://schemas.microsoft.com/office/2006/metadata/properties" xmlns:ns2="71af3243-3dd4-4a8d-8c0d-dd76da1f02a5" xmlns:ns3="16c05727-aa75-4e4a-9b5f-8a80a1165891" targetNamespace="http://schemas.microsoft.com/office/2006/metadata/properties" ma:root="true" ma:fieldsID="8256c27c40ca5c40ce1cf6c44f0205df" ns2:_="" ns3:_="">
     <xsd:import namespace="71af3243-3dd4-4a8d-8c0d-dd76da1f02a5"/>
@@ -47664,25 +47647,24 @@
 </ct:contentTypeSchema>
 </file>
 
-<file path=customXml/itemProps1.xml><?xml version="1.0" encoding="utf-8"?>
-<ds:datastoreItem xmlns:ds="http://schemas.openxmlformats.org/officeDocument/2006/customXml" ds:itemID="{D726A944-A9F4-4295-9B5E-C397EB1318B9}">
-  <ds:schemaRefs>
-    <ds:schemaRef ds:uri="http://schemas.microsoft.com/office/2006/metadata/properties"/>
-    <ds:schemaRef ds:uri="http://schemas.microsoft.com/office/infopath/2007/PartnerControls"/>
-    <ds:schemaRef ds:uri="71af3243-3dd4-4a8d-8c0d-dd76da1f02a5"/>
-  </ds:schemaRefs>
-</ds:datastoreItem>
+<file path=customXml/item2.xml><?xml version="1.0" encoding="utf-8"?>
+<?mso-contentType ?>
+<FormTemplates xmlns="http://schemas.microsoft.com/sharepoint/v3/contenttype/forms">
+  <Display>DocumentLibraryForm</Display>
+  <Edit>DocumentLibraryForm</Edit>
+  <New>DocumentLibraryForm</New>
+</FormTemplates>
 </file>
 
-<file path=customXml/itemProps2.xml><?xml version="1.0" encoding="utf-8"?>
-<ds:datastoreItem xmlns:ds="http://schemas.openxmlformats.org/officeDocument/2006/customXml" ds:itemID="{01743C61-8CA7-48FF-B2A3-6055DA854CF6}">
-  <ds:schemaRefs>
-    <ds:schemaRef ds:uri="http://schemas.microsoft.com/sharepoint/v3/contenttype/forms"/>
-  </ds:schemaRefs>
-</ds:datastoreItem>
+<file path=customXml/item3.xml><?xml version="1.0" encoding="utf-8"?>
+<p:properties xmlns:p="http://schemas.microsoft.com/office/2006/metadata/properties" xmlns:xsi="http://www.w3.org/2001/XMLSchema-instance" xmlns:pc="http://schemas.microsoft.com/office/infopath/2007/PartnerControls">
+  <documentManagement>
+    <MediaServiceKeyPoints xmlns="71af3243-3dd4-4a8d-8c0d-dd76da1f02a5" xsi:nil="true"/>
+  </documentManagement>
+</p:properties>
 </file>
 
-<file path=customXml/itemProps3.xml><?xml version="1.0" encoding="utf-8"?>
+<file path=customXml/itemProps1.xml><?xml version="1.0" encoding="utf-8"?>
 <ds:datastoreItem xmlns:ds="http://schemas.openxmlformats.org/officeDocument/2006/customXml" ds:itemID="{472965D8-9C19-4E48-8421-5D6B21FC440C}">
   <ds:schemaRefs>
     <ds:schemaRef ds:uri="http://schemas.microsoft.com/office/2006/metadata/contentType"/>
@@ -47699,4 +47681,22 @@
     <ds:schemaRef ds:uri="http://schemas.microsoft.com/internal/obd"/>
   </ds:schemaRefs>
 </ds:datastoreItem>
+</file>
+
+<file path=customXml/itemProps2.xml><?xml version="1.0" encoding="utf-8"?>
+<ds:datastoreItem xmlns:ds="http://schemas.openxmlformats.org/officeDocument/2006/customXml" ds:itemID="{01743C61-8CA7-48FF-B2A3-6055DA854CF6}">
+  <ds:schemaRefs>
+    <ds:schemaRef ds:uri="http://schemas.microsoft.com/sharepoint/v3/contenttype/forms"/>
+  </ds:schemaRefs>
+</ds:datastoreItem>
+</file>
+
+<file path=customXml/itemProps3.xml><?xml version="1.0" encoding="utf-8"?>
+<ds:datastoreItem xmlns:ds="http://schemas.openxmlformats.org/officeDocument/2006/customXml" ds:itemID="{D726A944-A9F4-4295-9B5E-C397EB1318B9}">
+  <ds:schemaRefs>
+    <ds:schemaRef ds:uri="http://schemas.microsoft.com/office/2006/metadata/properties"/>
+    <ds:schemaRef ds:uri="http://schemas.microsoft.com/office/infopath/2007/PartnerControls"/>
+    <ds:schemaRef ds:uri="71af3243-3dd4-4a8d-8c0d-dd76da1f02a5"/>
+  </ds:schemaRefs>
+</ds:datastoreItem>
 </file>